--- a/Predicting the Price of Used Car Presentation.pptx
+++ b/Predicting the Price of Used Car Presentation.pptx
@@ -29,7 +29,8 @@
     <p:sldId id="294" r:id="rId23"/>
     <p:sldId id="285" r:id="rId24"/>
     <p:sldId id="286" r:id="rId25"/>
-    <p:sldId id="295" r:id="rId26"/>
+    <p:sldId id="297" r:id="rId26"/>
+    <p:sldId id="295" r:id="rId27"/>
   </p:sldIdLst>
   <p:sldSz cx="12192000" cy="6858000"/>
   <p:notesSz cx="6858000" cy="9144000"/>
@@ -322,7 +323,7 @@
           <a:p>
             <a:fld id="{4AAD347D-5ACD-4C99-B74B-A9C85AD731AF}" type="datetimeFigureOut">
               <a:rPr lang="en-US" dirty="0"/>
-              <a:t>7/6/2019</a:t>
+              <a:t>7/7/2019</a:t>
             </a:fld>
             <a:endParaRPr lang="en-US" dirty="0"/>
           </a:p>
@@ -592,7 +593,7 @@
           <a:p>
             <a:fld id="{4509A250-FF31-4206-8172-F9D3106AACB1}" type="datetimeFigureOut">
               <a:rPr lang="en-US" dirty="0"/>
-              <a:t>7/6/2019</a:t>
+              <a:t>7/7/2019</a:t>
             </a:fld>
             <a:endParaRPr lang="en-US" dirty="0"/>
           </a:p>
@@ -781,7 +782,7 @@
           <a:p>
             <a:fld id="{4509A250-FF31-4206-8172-F9D3106AACB1}" type="datetimeFigureOut">
               <a:rPr lang="en-US" dirty="0"/>
-              <a:t>7/6/2019</a:t>
+              <a:t>7/7/2019</a:t>
             </a:fld>
             <a:endParaRPr lang="en-US" dirty="0"/>
           </a:p>
@@ -1049,7 +1050,7 @@
           <a:p>
             <a:fld id="{4509A250-FF31-4206-8172-F9D3106AACB1}" type="datetimeFigureOut">
               <a:rPr lang="en-US" dirty="0"/>
-              <a:t>7/6/2019</a:t>
+              <a:t>7/7/2019</a:t>
             </a:fld>
             <a:endParaRPr lang="en-US" dirty="0"/>
           </a:p>
@@ -1385,7 +1386,7 @@
           <a:p>
             <a:fld id="{4509A250-FF31-4206-8172-F9D3106AACB1}" type="datetimeFigureOut">
               <a:rPr lang="en-US" dirty="0"/>
-              <a:t>7/6/2019</a:t>
+              <a:t>7/7/2019</a:t>
             </a:fld>
             <a:endParaRPr lang="en-US" dirty="0"/>
           </a:p>
@@ -2003,7 +2004,7 @@
           <a:p>
             <a:fld id="{4509A250-FF31-4206-8172-F9D3106AACB1}" type="datetimeFigureOut">
               <a:rPr lang="en-US" dirty="0"/>
-              <a:t>7/6/2019</a:t>
+              <a:t>7/7/2019</a:t>
             </a:fld>
             <a:endParaRPr lang="en-US" dirty="0"/>
           </a:p>
@@ -2858,7 +2859,7 @@
           <a:p>
             <a:fld id="{4509A250-FF31-4206-8172-F9D3106AACB1}" type="datetimeFigureOut">
               <a:rPr lang="en-US" dirty="0"/>
-              <a:t>7/6/2019</a:t>
+              <a:t>7/7/2019</a:t>
             </a:fld>
             <a:endParaRPr lang="en-US" dirty="0"/>
           </a:p>
@@ -3023,7 +3024,7 @@
           <a:p>
             <a:fld id="{4509A250-FF31-4206-8172-F9D3106AACB1}" type="datetimeFigureOut">
               <a:rPr lang="en-US" dirty="0"/>
-              <a:t>7/6/2019</a:t>
+              <a:t>7/7/2019</a:t>
             </a:fld>
             <a:endParaRPr lang="en-US" dirty="0"/>
           </a:p>
@@ -3198,7 +3199,7 @@
           <a:p>
             <a:fld id="{4509A250-FF31-4206-8172-F9D3106AACB1}" type="datetimeFigureOut">
               <a:rPr lang="en-US" dirty="0"/>
-              <a:t>7/6/2019</a:t>
+              <a:t>7/7/2019</a:t>
             </a:fld>
             <a:endParaRPr lang="en-US" dirty="0"/>
           </a:p>
@@ -3363,7 +3364,7 @@
           <a:p>
             <a:fld id="{4509A250-FF31-4206-8172-F9D3106AACB1}" type="datetimeFigureOut">
               <a:rPr lang="en-US" dirty="0"/>
-              <a:t>7/6/2019</a:t>
+              <a:t>7/7/2019</a:t>
             </a:fld>
             <a:endParaRPr lang="en-US" dirty="0"/>
           </a:p>
@@ -3605,7 +3606,7 @@
           <a:p>
             <a:fld id="{9796027F-7875-4030-9381-8BD8C4F21935}" type="datetimeFigureOut">
               <a:rPr lang="en-US" dirty="0"/>
-              <a:t>7/6/2019</a:t>
+              <a:t>7/7/2019</a:t>
             </a:fld>
             <a:endParaRPr lang="en-US" dirty="0"/>
           </a:p>
@@ -3892,7 +3893,7 @@
           <a:p>
             <a:fld id="{9796027F-7875-4030-9381-8BD8C4F21935}" type="datetimeFigureOut">
               <a:rPr lang="en-US" dirty="0"/>
-              <a:t>7/6/2019</a:t>
+              <a:t>7/7/2019</a:t>
             </a:fld>
             <a:endParaRPr lang="en-US" dirty="0"/>
           </a:p>
@@ -4331,7 +4332,7 @@
           <a:p>
             <a:fld id="{9796027F-7875-4030-9381-8BD8C4F21935}" type="datetimeFigureOut">
               <a:rPr lang="en-US" dirty="0"/>
-              <a:t>7/6/2019</a:t>
+              <a:t>7/7/2019</a:t>
             </a:fld>
             <a:endParaRPr lang="en-US" dirty="0"/>
           </a:p>
@@ -4444,7 +4445,7 @@
           <a:p>
             <a:fld id="{4509A250-FF31-4206-8172-F9D3106AACB1}" type="datetimeFigureOut">
               <a:rPr lang="en-US" dirty="0"/>
-              <a:t>7/6/2019</a:t>
+              <a:t>7/7/2019</a:t>
             </a:fld>
             <a:endParaRPr lang="en-US" dirty="0"/>
           </a:p>
@@ -4534,7 +4535,7 @@
           <a:p>
             <a:fld id="{4509A250-FF31-4206-8172-F9D3106AACB1}" type="datetimeFigureOut">
               <a:rPr lang="en-US" dirty="0"/>
-              <a:t>7/6/2019</a:t>
+              <a:t>7/7/2019</a:t>
             </a:fld>
             <a:endParaRPr lang="en-US" dirty="0"/>
           </a:p>
@@ -4808,7 +4809,7 @@
           <a:p>
             <a:fld id="{4509A250-FF31-4206-8172-F9D3106AACB1}" type="datetimeFigureOut">
               <a:rPr lang="en-US" dirty="0"/>
-              <a:t>7/6/2019</a:t>
+              <a:t>7/7/2019</a:t>
             </a:fld>
             <a:endParaRPr lang="en-US" dirty="0"/>
           </a:p>
@@ -5078,7 +5079,7 @@
           <a:p>
             <a:fld id="{4509A250-FF31-4206-8172-F9D3106AACB1}" type="datetimeFigureOut">
               <a:rPr lang="en-US" dirty="0"/>
-              <a:t>7/6/2019</a:t>
+              <a:t>7/7/2019</a:t>
             </a:fld>
             <a:endParaRPr lang="en-US" dirty="0"/>
           </a:p>
@@ -5502,7 +5503,7 @@
           <a:p>
             <a:fld id="{4AAD347D-5ACD-4C99-B74B-A9C85AD731AF}" type="datetimeFigureOut">
               <a:rPr lang="en-US" dirty="0"/>
-              <a:t>7/6/2019</a:t>
+              <a:t>7/7/2019</a:t>
             </a:fld>
             <a:endParaRPr lang="en-US" dirty="0"/>
           </a:p>
@@ -6290,8 +6291,8 @@
         </p:blipFill>
         <p:spPr>
           <a:xfrm>
-            <a:off x="1239237" y="2760731"/>
-            <a:ext cx="8947150" cy="1593328"/>
+            <a:off x="1239236" y="2467778"/>
+            <a:ext cx="9281871" cy="2401677"/>
           </a:xfrm>
           <a:prstGeom prst="rect">
             <a:avLst/>
@@ -6351,7 +6352,7 @@
           <a:p>
             <a:r>
               <a:rPr lang="en-US" dirty="0"/>
-              <a:t>Correlation of the Data</a:t>
+              <a:t>Correlation of Data</a:t>
             </a:r>
           </a:p>
         </p:txBody>
@@ -6380,7 +6381,7 @@
         </p:blipFill>
         <p:spPr>
           <a:xfrm>
-            <a:off x="3152159" y="1594022"/>
+            <a:off x="2926872" y="1531884"/>
             <a:ext cx="5442582" cy="4436076"/>
           </a:xfrm>
           <a:prstGeom prst="rect">
@@ -6792,8 +6793,16 @@
         </p:nvSpPr>
         <p:spPr/>
         <p:txBody>
-          <a:bodyPr/>
+          <a:bodyPr>
+            <a:normAutofit/>
+          </a:bodyPr>
           <a:lstStyle/>
+          <a:p>
+            <a:r>
+              <a:rPr lang="en-US" dirty="0"/>
+              <a:t>In linear regression, a model is constructed that enables us to predict the value of new data considering the training data used to train the model.</a:t>
+            </a:r>
+          </a:p>
           <a:p>
             <a:r>
               <a:rPr lang="en-US" dirty="0"/>
@@ -6992,8 +7001,22 @@
         </p:nvSpPr>
         <p:spPr/>
         <p:txBody>
-          <a:bodyPr/>
+          <a:bodyPr>
+            <a:normAutofit/>
+          </a:bodyPr>
           <a:lstStyle/>
+          <a:p>
+            <a:r>
+              <a:rPr lang="en-US" dirty="0"/>
+              <a:t>Decision Tree Regression Model is the second model constructed for this project.</a:t>
+            </a:r>
+          </a:p>
+          <a:p>
+            <a:r>
+              <a:rPr lang="en-US" dirty="0"/>
+              <a:t>Decision Tree trains a model in a tree like structure to predict data in the future</a:t>
+            </a:r>
+          </a:p>
           <a:p>
             <a:r>
               <a:rPr lang="en-US" dirty="0"/>
@@ -7298,6 +7321,18 @@
           <a:p>
             <a:r>
               <a:rPr lang="en-US" dirty="0"/>
+              <a:t>Random Forest Regression Model is the third model constructed for this project.</a:t>
+            </a:r>
+          </a:p>
+          <a:p>
+            <a:r>
+              <a:rPr lang="en-US" dirty="0"/>
+              <a:t>It combines multiple decision trees in determining the final output.</a:t>
+            </a:r>
+          </a:p>
+          <a:p>
+            <a:r>
+              <a:rPr lang="en-US" dirty="0"/>
               <a:t>Fit or Train the training data to Random Forest Regression.</a:t>
             </a:r>
           </a:p>
@@ -7495,6 +7530,12 @@
           <a:p>
             <a:r>
               <a:rPr lang="en-US" dirty="0"/>
+              <a:t>Ensemble Voting Regressor fits Linear Regressor, Decision Tree Regressor and Random Forest Regressor each on the training dataset.</a:t>
+            </a:r>
+          </a:p>
+          <a:p>
+            <a:r>
+              <a:rPr lang="en-US" dirty="0"/>
               <a:t>Fit or Train the training data to Ensemble VotingRegressor.</a:t>
             </a:r>
           </a:p>
@@ -7750,6 +7791,111 @@
       </p:grpSpPr>
       <p:sp>
         <p:nvSpPr>
+          <p:cNvPr id="2" name="Title 1">
+            <a:extLst>
+              <a:ext uri="{FF2B5EF4-FFF2-40B4-BE49-F238E27FC236}">
+                <a16:creationId xmlns:a16="http://schemas.microsoft.com/office/drawing/2014/main" id="{A35F890C-A85B-4A86-A017-5E6F4778BC56}"/>
+              </a:ext>
+            </a:extLst>
+          </p:cNvPr>
+          <p:cNvSpPr>
+            <a:spLocks noGrp="1"/>
+          </p:cNvSpPr>
+          <p:nvPr>
+            <p:ph type="title"/>
+          </p:nvPr>
+        </p:nvSpPr>
+        <p:spPr/>
+        <p:txBody>
+          <a:bodyPr/>
+          <a:lstStyle/>
+          <a:p>
+            <a:r>
+              <a:rPr lang="en-US" dirty="0"/>
+              <a:t>Project Repository</a:t>
+            </a:r>
+          </a:p>
+        </p:txBody>
+      </p:sp>
+      <p:sp>
+        <p:nvSpPr>
+          <p:cNvPr id="3" name="Content Placeholder 2">
+            <a:extLst>
+              <a:ext uri="{FF2B5EF4-FFF2-40B4-BE49-F238E27FC236}">
+                <a16:creationId xmlns:a16="http://schemas.microsoft.com/office/drawing/2014/main" id="{BC81D2FA-C8B9-4C34-AD64-AFF08751E603}"/>
+              </a:ext>
+            </a:extLst>
+          </p:cNvPr>
+          <p:cNvSpPr>
+            <a:spLocks noGrp="1"/>
+          </p:cNvSpPr>
+          <p:nvPr>
+            <p:ph idx="1"/>
+          </p:nvPr>
+        </p:nvSpPr>
+        <p:spPr/>
+        <p:txBody>
+          <a:bodyPr/>
+          <a:lstStyle/>
+          <a:p>
+            <a:r>
+              <a:rPr lang="en-US" dirty="0"/>
+              <a:t>The python code and the plots for this project is located at </a:t>
+            </a:r>
+            <a:r>
+              <a:rPr lang="en-US" dirty="0">
+                <a:hlinkClick r:id="rId2"/>
+              </a:rPr>
+              <a:t>https://github.com/BOLATUNJI/PracticumI---Predicting-the-Price-of-Used-Cars</a:t>
+            </a:r>
+            <a:endParaRPr lang="en-US" dirty="0"/>
+          </a:p>
+          <a:p>
+            <a:r>
+              <a:rPr lang="en-US" dirty="0"/>
+              <a:t>Project Dataset - https://www.kaggle.com/orgesleka/used-cars-database</a:t>
+            </a:r>
+          </a:p>
+          <a:p>
+            <a:pPr marL="0" indent="0">
+              <a:buNone/>
+            </a:pPr>
+            <a:endParaRPr lang="en-US" dirty="0"/>
+          </a:p>
+        </p:txBody>
+      </p:sp>
+    </p:spTree>
+    <p:extLst>
+      <p:ext uri="{BB962C8B-B14F-4D97-AF65-F5344CB8AC3E}">
+        <p14:creationId xmlns:p14="http://schemas.microsoft.com/office/powerpoint/2010/main" val="4221539878"/>
+      </p:ext>
+    </p:extLst>
+  </p:cSld>
+  <p:clrMapOvr>
+    <a:masterClrMapping/>
+  </p:clrMapOvr>
+</p:sld>
+</file>
+
+<file path=ppt/slides/slide26.xml><?xml version="1.0" encoding="utf-8"?>
+<p:sld xmlns:a="http://schemas.openxmlformats.org/drawingml/2006/main" xmlns:r="http://schemas.openxmlformats.org/officeDocument/2006/relationships" xmlns:p="http://schemas.openxmlformats.org/presentationml/2006/main">
+  <p:cSld>
+    <p:spTree>
+      <p:nvGrpSpPr>
+        <p:cNvPr id="1" name=""/>
+        <p:cNvGrpSpPr/>
+        <p:nvPr/>
+      </p:nvGrpSpPr>
+      <p:grpSpPr>
+        <a:xfrm>
+          <a:off x="0" y="0"/>
+          <a:ext cx="0" cy="0"/>
+          <a:chOff x="0" y="0"/>
+          <a:chExt cx="0" cy="0"/>
+        </a:xfrm>
+      </p:grpSpPr>
+      <p:sp>
+        <p:nvSpPr>
           <p:cNvPr id="3" name="Rectangle 2">
             <a:extLst>
               <a:ext uri="{FF2B5EF4-FFF2-40B4-BE49-F238E27FC236}">
@@ -7864,7 +8010,7 @@
           <a:p>
             <a:r>
               <a:rPr lang="en-US" dirty="0"/>
-              <a:t>This project would use Kaggle data set located at https://www.kaggle.com/orgesleka/used-cars-database to achieve its objectives.</a:t>
+              <a:t>This project used Kaggle data set located at https://www.kaggle.com/orgesleka/used-cars-database to achieve its objectives.</a:t>
             </a:r>
           </a:p>
           <a:p>
@@ -10152,30 +10298,30 @@
           <a:lstStyle/>
           <a:p>
             <a:r>
-              <a:rPr lang="en-US"/>
+              <a:rPr lang="en-US" dirty="0"/>
               <a:t>There are missing values identified as Nans/null in the dataset.</a:t>
             </a:r>
           </a:p>
           <a:p>
             <a:r>
-              <a:rPr lang="en-US"/>
+              <a:rPr lang="en-US" dirty="0"/>
               <a:t>The data also used zeros (0.0) as missing values.</a:t>
             </a:r>
           </a:p>
           <a:p>
             <a:r>
-              <a:rPr lang="en-US"/>
+              <a:rPr lang="en-US" dirty="0"/>
               <a:t>Dealt with missing values by dropping the rows and columns that contain them.</a:t>
             </a:r>
           </a:p>
           <a:p>
             <a:r>
-              <a:rPr lang="en-US"/>
+              <a:rPr lang="en-US" dirty="0"/>
               <a:t>Null values would result in bias resulting from differences between missing and complete data</a:t>
             </a:r>
           </a:p>
           <a:p>
-            <a:endParaRPr lang="en-US"/>
+            <a:endParaRPr lang="en-US" dirty="0"/>
           </a:p>
         </p:txBody>
       </p:sp>
